--- a/docs/comercial/brochure_2-mdr.pptx
+++ b/docs/comercial/brochure_2-mdr.pptx
@@ -756,7 +756,7 @@
             <a:fld id="{DE3A2F4D-761B-49FA-B2B4-D6F123DD324B}" type="datetimeFigureOut">
               <a:rPr lang="es-CL" smtClean="0"/>
               <a:pPr/>
-              <a:t>29-08-2012</a:t>
+              <a:t>19-10-2012</a:t>
             </a:fld>
             <a:endParaRPr lang="es-CL"/>
           </a:p>
@@ -957,7 +957,7 @@
             <a:fld id="{DE3A2F4D-761B-49FA-B2B4-D6F123DD324B}" type="datetimeFigureOut">
               <a:rPr lang="es-CL" smtClean="0"/>
               <a:pPr/>
-              <a:t>29-08-2012</a:t>
+              <a:t>19-10-2012</a:t>
             </a:fld>
             <a:endParaRPr lang="es-CL"/>
           </a:p>
@@ -1147,7 +1147,7 @@
             <a:fld id="{DE3A2F4D-761B-49FA-B2B4-D6F123DD324B}" type="datetimeFigureOut">
               <a:rPr lang="es-CL" smtClean="0"/>
               <a:pPr/>
-              <a:t>29-08-2012</a:t>
+              <a:t>19-10-2012</a:t>
             </a:fld>
             <a:endParaRPr lang="es-CL"/>
           </a:p>
@@ -1302,7 +1302,7 @@
             <a:fld id="{DE3A2F4D-761B-49FA-B2B4-D6F123DD324B}" type="datetimeFigureOut">
               <a:rPr lang="es-CL" smtClean="0"/>
               <a:pPr/>
-              <a:t>29-08-2012</a:t>
+              <a:t>19-10-2012</a:t>
             </a:fld>
             <a:endParaRPr lang="es-CL"/>
           </a:p>
@@ -1562,7 +1562,7 @@
             <a:fld id="{DE3A2F4D-761B-49FA-B2B4-D6F123DD324B}" type="datetimeFigureOut">
               <a:rPr lang="es-CL" smtClean="0"/>
               <a:pPr/>
-              <a:t>29-08-2012</a:t>
+              <a:t>19-10-2012</a:t>
             </a:fld>
             <a:endParaRPr lang="es-CL"/>
           </a:p>
@@ -1976,7 +1976,7 @@
             <a:fld id="{DE3A2F4D-761B-49FA-B2B4-D6F123DD324B}" type="datetimeFigureOut">
               <a:rPr lang="es-CL" smtClean="0"/>
               <a:pPr/>
-              <a:t>29-08-2012</a:t>
+              <a:t>19-10-2012</a:t>
             </a:fld>
             <a:endParaRPr lang="es-CL"/>
           </a:p>
@@ -2427,7 +2427,7 @@
             <a:fld id="{DE3A2F4D-761B-49FA-B2B4-D6F123DD324B}" type="datetimeFigureOut">
               <a:rPr lang="es-CL" smtClean="0"/>
               <a:pPr/>
-              <a:t>29-08-2012</a:t>
+              <a:t>19-10-2012</a:t>
             </a:fld>
             <a:endParaRPr lang="es-CL"/>
           </a:p>
@@ -2533,7 +2533,7 @@
             <a:fld id="{DE3A2F4D-761B-49FA-B2B4-D6F123DD324B}" type="datetimeFigureOut">
               <a:rPr lang="es-CL" smtClean="0"/>
               <a:pPr/>
-              <a:t>29-08-2012</a:t>
+              <a:t>19-10-2012</a:t>
             </a:fld>
             <a:endParaRPr lang="es-CL"/>
           </a:p>
@@ -2659,7 +2659,7 @@
             <a:fld id="{DE3A2F4D-761B-49FA-B2B4-D6F123DD324B}" type="datetimeFigureOut">
               <a:rPr lang="es-CL" smtClean="0"/>
               <a:pPr/>
-              <a:t>29-08-2012</a:t>
+              <a:t>19-10-2012</a:t>
             </a:fld>
             <a:endParaRPr lang="es-CL"/>
           </a:p>
@@ -2938,7 +2938,7 @@
             <a:fld id="{DE3A2F4D-761B-49FA-B2B4-D6F123DD324B}" type="datetimeFigureOut">
               <a:rPr lang="es-CL" smtClean="0"/>
               <a:pPr/>
-              <a:t>29-08-2012</a:t>
+              <a:t>19-10-2012</a:t>
             </a:fld>
             <a:endParaRPr lang="es-CL"/>
           </a:p>
@@ -3148,7 +3148,7 @@
             <a:fld id="{DE3A2F4D-761B-49FA-B2B4-D6F123DD324B}" type="datetimeFigureOut">
               <a:rPr lang="es-CL" smtClean="0"/>
               <a:pPr/>
-              <a:t>29-08-2012</a:t>
+              <a:t>19-10-2012</a:t>
             </a:fld>
             <a:endParaRPr lang="es-CL"/>
           </a:p>
@@ -4262,7 +4262,7 @@
             <a:fld id="{DE3A2F4D-761B-49FA-B2B4-D6F123DD324B}" type="datetimeFigureOut">
               <a:rPr lang="es-CL" smtClean="0"/>
               <a:pPr/>
-              <a:t>29-08-2012</a:t>
+              <a:t>19-10-2012</a:t>
             </a:fld>
             <a:endParaRPr lang="es-CL"/>
           </a:p>
@@ -4760,19 +4760,7 @@
             </a:br>
             <a:r>
               <a:rPr lang="es-CL" sz="2400" dirty="0" smtClean="0"/>
-              <a:t>Software de gestión de Revelaciones </a:t>
-            </a:r>
-            <a:r>
-              <a:rPr lang="es-CL" sz="2400" dirty="0" smtClean="0"/>
-              <a:t>de </a:t>
-            </a:r>
-            <a:r>
-              <a:rPr lang="es-CL" sz="2400" dirty="0" smtClean="0"/>
-              <a:t>Estados Financieros </a:t>
-            </a:r>
-            <a:r>
-              <a:rPr lang="es-CL" sz="2400" dirty="0" smtClean="0"/>
-              <a:t>y generación de XBRL para IFRS.</a:t>
+              <a:t>Software de gestión de Revelaciones de Estados Financieros y generación de XBRL para IFRS.</a:t>
             </a:r>
             <a:endParaRPr lang="es-CL" dirty="0"/>
           </a:p>
@@ -6557,7 +6545,27 @@
                 <a:ea typeface="+mj-ea"/>
                 <a:cs typeface="Arial" pitchFamily="34" charset="0"/>
               </a:rPr>
-              <a:t>Validación en base a sus EE.FF </a:t>
+              <a:t>Validación en base a sus </a:t>
+            </a:r>
+            <a:r>
+              <a:rPr lang="es-CL" sz="3200" b="1" dirty="0" smtClean="0">
+                <a:solidFill>
+                  <a:schemeClr val="bg2">
+                    <a:lumMod val="50000"/>
+                  </a:schemeClr>
+                </a:solidFill>
+                <a:effectLst>
+                  <a:outerShdw blurRad="31750" dist="25400" dir="5400000" algn="tl" rotWithShape="0">
+                    <a:srgbClr val="000000">
+                      <a:alpha val="25000"/>
+                    </a:srgbClr>
+                  </a:outerShdw>
+                </a:effectLst>
+                <a:latin typeface="Arial" pitchFamily="34" charset="0"/>
+                <a:ea typeface="+mj-ea"/>
+                <a:cs typeface="Arial" pitchFamily="34" charset="0"/>
+              </a:rPr>
+              <a:t>EE.FF. </a:t>
             </a:r>
             <a:r>
               <a:rPr lang="es-CL" sz="3200" b="1" dirty="0">
@@ -7146,7 +7154,7 @@
     </p:spTree>
     <p:extLst>
       <p:ext uri="{BB962C8B-B14F-4D97-AF65-F5344CB8AC3E}">
-        <p14:creationId xmlns="" xmlns:p14="http://schemas.microsoft.com/office/powerpoint/2010/main" val="2482610731"/>
+        <p14:creationId xmlns:p14="http://schemas.microsoft.com/office/powerpoint/2010/main" val="2482610731"/>
       </p:ext>
     </p:extLst>
   </p:cSld>
@@ -7564,7 +7572,7 @@
     </p:spTree>
     <p:extLst>
       <p:ext uri="{BB962C8B-B14F-4D97-AF65-F5344CB8AC3E}">
-        <p14:creationId xmlns="" xmlns:p14="http://schemas.microsoft.com/office/powerpoint/2010/main" val="2482610731"/>
+        <p14:creationId xmlns:p14="http://schemas.microsoft.com/office/powerpoint/2010/main" val="2482610731"/>
       </p:ext>
     </p:extLst>
   </p:cSld>
@@ -8018,7 +8026,7 @@
           <a:blip r:embed="rId2">
             <a:extLst>
               <a:ext uri="{28A0092B-C50C-407E-A947-70E740481C1C}">
-                <a14:useLocalDpi xmlns="" xmlns:a14="http://schemas.microsoft.com/office/drawing/2010/main" val="0"/>
+                <a14:useLocalDpi xmlns:a14="http://schemas.microsoft.com/office/drawing/2010/main" val="0"/>
               </a:ext>
             </a:extLst>
           </a:blip>
@@ -8038,7 +8046,7 @@
           <a:noFill/>
           <a:extLst>
             <a:ext uri="{909E8E84-426E-40DD-AFC4-6F175D3DCCD1}">
-              <a14:hiddenFill xmlns="" xmlns:a14="http://schemas.microsoft.com/office/drawing/2010/main">
+              <a14:hiddenFill xmlns:a14="http://schemas.microsoft.com/office/drawing/2010/main">
                 <a:solidFill>
                   <a:srgbClr val="FFFFFF"/>
                 </a:solidFill>
@@ -9646,7 +9654,7 @@
           <a:noFill/>
           <a:extLst>
             <a:ext uri="{909E8E84-426E-40DD-AFC4-6F175D3DCCD1}">
-              <a14:hiddenFill xmlns="" xmlns:a14="http://schemas.microsoft.com/office/drawing/2010/main">
+              <a14:hiddenFill xmlns:a14="http://schemas.microsoft.com/office/drawing/2010/main">
                 <a:solidFill>
                   <a:srgbClr val="FFFFFF"/>
                 </a:solidFill>
@@ -9678,7 +9686,7 @@
           <a:blip r:embed="rId8">
             <a:extLst>
               <a:ext uri="{28A0092B-C50C-407E-A947-70E740481C1C}">
-                <a14:useLocalDpi xmlns="" xmlns:a14="http://schemas.microsoft.com/office/drawing/2010/main" val="0"/>
+                <a14:useLocalDpi xmlns:a14="http://schemas.microsoft.com/office/drawing/2010/main" val="0"/>
               </a:ext>
             </a:extLst>
           </a:blip>
@@ -10006,7 +10014,7 @@
           <a:blip r:embed="rId10" cstate="print">
             <a:extLst>
               <a:ext uri="{28A0092B-C50C-407E-A947-70E740481C1C}">
-                <a14:useLocalDpi xmlns="" xmlns:a14="http://schemas.microsoft.com/office/drawing/2010/main" val="0"/>
+                <a14:useLocalDpi xmlns:a14="http://schemas.microsoft.com/office/drawing/2010/main" val="0"/>
               </a:ext>
             </a:extLst>
           </a:blip>
@@ -10049,14 +10057,14 @@
           </a:sp3d>
           <a:extLst>
             <a:ext uri="{909E8E84-426E-40DD-AFC4-6F175D3DCCD1}">
-              <a14:hiddenFill xmlns="" xmlns:a14="http://schemas.microsoft.com/office/drawing/2010/main">
+              <a14:hiddenFill xmlns:a14="http://schemas.microsoft.com/office/drawing/2010/main">
                 <a:solidFill>
                   <a:schemeClr val="accent1"/>
                 </a:solidFill>
               </a14:hiddenFill>
             </a:ext>
             <a:ext uri="{91240B29-F687-4F45-9708-019B960494DF}">
-              <a14:hiddenLine xmlns="" xmlns:a14="http://schemas.microsoft.com/office/drawing/2010/main" w="9525">
+              <a14:hiddenLine xmlns:a14="http://schemas.microsoft.com/office/drawing/2010/main" w="9525">
                 <a:solidFill>
                   <a:schemeClr val="tx1"/>
                 </a:solidFill>
@@ -10598,7 +10606,7 @@
           <a:blip r:embed="rId2">
             <a:extLst>
               <a:ext uri="{28A0092B-C50C-407E-A947-70E740481C1C}">
-                <a14:useLocalDpi xmlns="" xmlns:a14="http://schemas.microsoft.com/office/drawing/2010/main" val="0"/>
+                <a14:useLocalDpi xmlns:a14="http://schemas.microsoft.com/office/drawing/2010/main" val="0"/>
               </a:ext>
             </a:extLst>
           </a:blip>
@@ -10618,7 +10626,7 @@
           <a:noFill/>
           <a:extLst>
             <a:ext uri="{909E8E84-426E-40DD-AFC4-6F175D3DCCD1}">
-              <a14:hiddenFill xmlns="" xmlns:a14="http://schemas.microsoft.com/office/drawing/2010/main">
+              <a14:hiddenFill xmlns:a14="http://schemas.microsoft.com/office/drawing/2010/main">
                 <a:solidFill>
                   <a:srgbClr val="FFFFFF"/>
                 </a:solidFill>
@@ -11017,7 +11025,7 @@
           <a:noFill/>
           <a:extLst>
             <a:ext uri="{909E8E84-426E-40DD-AFC4-6F175D3DCCD1}">
-              <a14:hiddenFill xmlns="" xmlns:a14="http://schemas.microsoft.com/office/drawing/2010/main">
+              <a14:hiddenFill xmlns:a14="http://schemas.microsoft.com/office/drawing/2010/main">
                 <a:solidFill>
                   <a:srgbClr val="FFFFFF"/>
                 </a:solidFill>
